--- a/Covid19IncidenceRasInhibitors/extras/schematic.pptx
+++ b/Covid19IncidenceRasInhibitors/extras/schematic.pptx
@@ -259,7 +259,7 @@
           <a:p>
             <a:fld id="{6164DDD2-9591-42EE-A2DD-49C249ADF445}" type="datetimeFigureOut">
               <a:rPr lang="en-US" smtClean="0"/>
-              <a:t>10/21/20</a:t>
+              <a:t>10/22/20</a:t>
             </a:fld>
             <a:endParaRPr lang="en-US"/>
           </a:p>
@@ -457,7 +457,7 @@
           <a:p>
             <a:fld id="{6164DDD2-9591-42EE-A2DD-49C249ADF445}" type="datetimeFigureOut">
               <a:rPr lang="en-US" smtClean="0"/>
-              <a:t>10/21/20</a:t>
+              <a:t>10/22/20</a:t>
             </a:fld>
             <a:endParaRPr lang="en-US"/>
           </a:p>
@@ -665,7 +665,7 @@
           <a:p>
             <a:fld id="{6164DDD2-9591-42EE-A2DD-49C249ADF445}" type="datetimeFigureOut">
               <a:rPr lang="en-US" smtClean="0"/>
-              <a:t>10/21/20</a:t>
+              <a:t>10/22/20</a:t>
             </a:fld>
             <a:endParaRPr lang="en-US"/>
           </a:p>
@@ -863,7 +863,7 @@
           <a:p>
             <a:fld id="{6164DDD2-9591-42EE-A2DD-49C249ADF445}" type="datetimeFigureOut">
               <a:rPr lang="en-US" smtClean="0"/>
-              <a:t>10/21/20</a:t>
+              <a:t>10/22/20</a:t>
             </a:fld>
             <a:endParaRPr lang="en-US"/>
           </a:p>
@@ -1138,7 +1138,7 @@
           <a:p>
             <a:fld id="{6164DDD2-9591-42EE-A2DD-49C249ADF445}" type="datetimeFigureOut">
               <a:rPr lang="en-US" smtClean="0"/>
-              <a:t>10/21/20</a:t>
+              <a:t>10/22/20</a:t>
             </a:fld>
             <a:endParaRPr lang="en-US"/>
           </a:p>
@@ -1403,7 +1403,7 @@
           <a:p>
             <a:fld id="{6164DDD2-9591-42EE-A2DD-49C249ADF445}" type="datetimeFigureOut">
               <a:rPr lang="en-US" smtClean="0"/>
-              <a:t>10/21/20</a:t>
+              <a:t>10/22/20</a:t>
             </a:fld>
             <a:endParaRPr lang="en-US"/>
           </a:p>
@@ -1815,7 +1815,7 @@
           <a:p>
             <a:fld id="{6164DDD2-9591-42EE-A2DD-49C249ADF445}" type="datetimeFigureOut">
               <a:rPr lang="en-US" smtClean="0"/>
-              <a:t>10/21/20</a:t>
+              <a:t>10/22/20</a:t>
             </a:fld>
             <a:endParaRPr lang="en-US"/>
           </a:p>
@@ -1956,7 +1956,7 @@
           <a:p>
             <a:fld id="{6164DDD2-9591-42EE-A2DD-49C249ADF445}" type="datetimeFigureOut">
               <a:rPr lang="en-US" smtClean="0"/>
-              <a:t>10/21/20</a:t>
+              <a:t>10/22/20</a:t>
             </a:fld>
             <a:endParaRPr lang="en-US"/>
           </a:p>
@@ -2069,7 +2069,7 @@
           <a:p>
             <a:fld id="{6164DDD2-9591-42EE-A2DD-49C249ADF445}" type="datetimeFigureOut">
               <a:rPr lang="en-US" smtClean="0"/>
-              <a:t>10/21/20</a:t>
+              <a:t>10/22/20</a:t>
             </a:fld>
             <a:endParaRPr lang="en-US"/>
           </a:p>
@@ -2380,7 +2380,7 @@
           <a:p>
             <a:fld id="{6164DDD2-9591-42EE-A2DD-49C249ADF445}" type="datetimeFigureOut">
               <a:rPr lang="en-US" smtClean="0"/>
-              <a:t>10/21/20</a:t>
+              <a:t>10/22/20</a:t>
             </a:fld>
             <a:endParaRPr lang="en-US"/>
           </a:p>
@@ -2668,7 +2668,7 @@
           <a:p>
             <a:fld id="{6164DDD2-9591-42EE-A2DD-49C249ADF445}" type="datetimeFigureOut">
               <a:rPr lang="en-US" smtClean="0"/>
-              <a:t>10/21/20</a:t>
+              <a:t>10/22/20</a:t>
             </a:fld>
             <a:endParaRPr lang="en-US"/>
           </a:p>
@@ -2909,7 +2909,7 @@
           <a:p>
             <a:fld id="{6164DDD2-9591-42EE-A2DD-49C249ADF445}" type="datetimeFigureOut">
               <a:rPr lang="en-US" smtClean="0"/>
-              <a:t>10/21/20</a:t>
+              <a:t>10/22/20</a:t>
             </a:fld>
             <a:endParaRPr lang="en-US"/>
           </a:p>
@@ -4591,25 +4591,18 @@
           <a:lstStyle/>
           <a:p>
             <a:r>
+              <a:rPr lang="en-US" sz="1400">
+                <a:latin typeface="Calibri" panose="020F0502020204030204" pitchFamily="34" charset="0"/>
+                <a:ea typeface="Calibri" panose="020F0502020204030204" pitchFamily="34" charset="0"/>
+              </a:rPr>
+              <a:t>(ACEI, </a:t>
+            </a:r>
+            <a:r>
               <a:rPr lang="en-US" sz="1400" dirty="0">
                 <a:latin typeface="Calibri" panose="020F0502020204030204" pitchFamily="34" charset="0"/>
                 <a:ea typeface="Calibri" panose="020F0502020204030204" pitchFamily="34" charset="0"/>
               </a:rPr>
-              <a:t>(</a:t>
-            </a:r>
-            <a:r>
-              <a:rPr lang="en-US" sz="1400" dirty="0" err="1">
-                <a:latin typeface="Calibri" panose="020F0502020204030204" pitchFamily="34" charset="0"/>
-                <a:ea typeface="Calibri" panose="020F0502020204030204" pitchFamily="34" charset="0"/>
-              </a:rPr>
-              <a:t>ACEi</a:t>
-            </a:r>
-            <a:r>
-              <a:rPr lang="en-US" sz="1400" dirty="0">
-                <a:latin typeface="Calibri" panose="020F0502020204030204" pitchFamily="34" charset="0"/>
-                <a:ea typeface="Calibri" panose="020F0502020204030204" pitchFamily="34" charset="0"/>
-              </a:rPr>
-              <a:t>, ARB, CCB, THZ)</a:t>
+              <a:t>ARB, CCB, THZ)</a:t>
             </a:r>
             <a:endParaRPr lang="en-US" sz="1400" dirty="0"/>
           </a:p>
